--- a/VisualizingR.pptx
+++ b/VisualizingR.pptx
@@ -22,13 +22,11 @@
     <p:sldId id="278" r:id="rId16"/>
     <p:sldId id="279" r:id="rId17"/>
     <p:sldId id="280" r:id="rId18"/>
-    <p:sldId id="268" r:id="rId19"/>
-    <p:sldId id="270" r:id="rId20"/>
-    <p:sldId id="271" r:id="rId21"/>
-    <p:sldId id="272" r:id="rId22"/>
-    <p:sldId id="273" r:id="rId23"/>
-    <p:sldId id="274" r:id="rId24"/>
-    <p:sldId id="275" r:id="rId25"/>
+    <p:sldId id="274" r:id="rId19"/>
+    <p:sldId id="272" r:id="rId20"/>
+    <p:sldId id="268" r:id="rId21"/>
+    <p:sldId id="270" r:id="rId22"/>
+    <p:sldId id="271" r:id="rId23"/>
   </p:sldIdLst>
   <p:sldSz cx="12192000" cy="6858000"/>
   <p:notesSz cx="6858000" cy="9144000"/>
@@ -3020,7 +3018,35 @@
           <a:p>
             <a:r>
               <a:rPr lang="en-US" dirty="0" smtClean="0"/>
-              <a:t>Visualizing your Data with “R”</a:t>
+              <a:t>Visualizing </a:t>
+            </a:r>
+            <a:r>
+              <a:rPr lang="en-US" dirty="0"/>
+              <a:t>y</a:t>
+            </a:r>
+            <a:r>
+              <a:rPr lang="en-US" dirty="0" smtClean="0"/>
+              <a:t>our </a:t>
+            </a:r>
+            <a:r>
+              <a:rPr lang="en-US" dirty="0"/>
+              <a:t>d</a:t>
+            </a:r>
+            <a:r>
+              <a:rPr lang="en-US" dirty="0" smtClean="0"/>
+              <a:t>ata </a:t>
+            </a:r>
+            <a:r>
+              <a:rPr lang="en-US" dirty="0"/>
+              <a:t>w</a:t>
+            </a:r>
+            <a:r>
+              <a:rPr lang="en-US" dirty="0" smtClean="0"/>
+              <a:t>ith </a:t>
+            </a:r>
+            <a:r>
+              <a:rPr lang="en-US" dirty="0" smtClean="0"/>
+              <a:t>“R”</a:t>
             </a:r>
             <a:endParaRPr lang="en-US" dirty="0"/>
           </a:p>
@@ -3424,7 +3450,7 @@
             <a:pPr algn="ctr"/>
             <a:r>
               <a:rPr lang="en-US" dirty="0" smtClean="0"/>
-              <a:t>Hands on or follow along</a:t>
+              <a:t>Capabilities for Visualization in R</a:t>
             </a:r>
             <a:endParaRPr lang="en-US" dirty="0"/>
           </a:p>
@@ -3442,9 +3468,127 @@
         </p:nvSpPr>
         <p:spPr/>
         <p:txBody>
-          <a:bodyPr/>
+          <a:bodyPr>
+            <a:normAutofit/>
+          </a:bodyPr>
           <a:lstStyle/>
           <a:p>
+            <a:pPr marL="0" indent="0">
+              <a:buNone/>
+            </a:pPr>
+            <a:r>
+              <a:rPr lang="en-US" dirty="0"/>
+              <a:t>Publish </a:t>
+            </a:r>
+            <a:r>
+              <a:rPr lang="en-US" dirty="0" smtClean="0"/>
+              <a:t>Online</a:t>
+            </a:r>
+            <a:endParaRPr lang="en-US" dirty="0" smtClean="0">
+              <a:hlinkClick r:id="rId2"/>
+            </a:endParaRPr>
+          </a:p>
+          <a:p>
+            <a:pPr marL="0" indent="0">
+              <a:buNone/>
+            </a:pPr>
+            <a:r>
+              <a:rPr lang="en-US" dirty="0" smtClean="0">
+                <a:hlinkClick r:id="rId2"/>
+              </a:rPr>
+              <a:t>https</a:t>
+            </a:r>
+            <a:r>
+              <a:rPr lang="en-US" dirty="0">
+                <a:hlinkClick r:id="rId2"/>
+              </a:rPr>
+              <a:t>://www.shinyapps.io</a:t>
+            </a:r>
+            <a:r>
+              <a:rPr lang="en-US" dirty="0" smtClean="0">
+                <a:hlinkClick r:id="rId2"/>
+              </a:rPr>
+              <a:t>/</a:t>
+            </a:r>
+            <a:endParaRPr lang="en-US" dirty="0" smtClean="0"/>
+          </a:p>
+          <a:p>
+            <a:pPr marL="0" indent="0">
+              <a:buNone/>
+            </a:pPr>
+            <a:r>
+              <a:rPr lang="en-US" dirty="0"/>
+              <a:t>GIS </a:t>
+            </a:r>
+            <a:endParaRPr lang="en-US" dirty="0" smtClean="0"/>
+          </a:p>
+          <a:p>
+            <a:pPr marL="0" indent="0">
+              <a:buNone/>
+            </a:pPr>
+            <a:r>
+              <a:rPr lang="en-US" dirty="0" smtClean="0">
+                <a:hlinkClick r:id="rId3"/>
+              </a:rPr>
+              <a:t>http</a:t>
+            </a:r>
+            <a:r>
+              <a:rPr lang="en-US" dirty="0">
+                <a:hlinkClick r:id="rId3"/>
+              </a:rPr>
+              <a:t>://spatial.ly/r</a:t>
+            </a:r>
+            <a:r>
+              <a:rPr lang="en-US" dirty="0" smtClean="0">
+                <a:hlinkClick r:id="rId3"/>
+              </a:rPr>
+              <a:t>/</a:t>
+            </a:r>
+            <a:endParaRPr lang="en-US" dirty="0" smtClean="0"/>
+          </a:p>
+          <a:p>
+            <a:pPr marL="0" indent="0">
+              <a:buNone/>
+            </a:pPr>
+            <a:r>
+              <a:rPr lang="en-US" dirty="0"/>
+              <a:t>Dashboards</a:t>
+            </a:r>
+            <a:endParaRPr lang="en-US" dirty="0">
+              <a:hlinkClick r:id="rId3"/>
+            </a:endParaRPr>
+          </a:p>
+          <a:p>
+            <a:pPr marL="0" indent="0">
+              <a:buNone/>
+            </a:pPr>
+            <a:r>
+              <a:rPr lang="en-US" dirty="0" smtClean="0">
+                <a:hlinkClick r:id="rId4"/>
+              </a:rPr>
+              <a:t>https</a:t>
+            </a:r>
+            <a:r>
+              <a:rPr lang="en-US" dirty="0">
+                <a:hlinkClick r:id="rId4"/>
+              </a:rPr>
+              <a:t>://plot.ly/r/dashboard</a:t>
+            </a:r>
+            <a:r>
+              <a:rPr lang="en-US" dirty="0" smtClean="0">
+                <a:hlinkClick r:id="rId4"/>
+              </a:rPr>
+              <a:t>/</a:t>
+            </a:r>
+            <a:endParaRPr lang="en-US" dirty="0" smtClean="0"/>
+          </a:p>
+          <a:p>
+            <a:endParaRPr lang="en-US" dirty="0" smtClean="0"/>
+          </a:p>
+          <a:p>
+            <a:pPr marL="0" indent="0">
+              <a:buNone/>
+            </a:pPr>
             <a:endParaRPr lang="en-US" dirty="0"/>
           </a:p>
         </p:txBody>
@@ -3532,7 +3676,11 @@
           <a:p>
             <a:r>
               <a:rPr lang="en-US" dirty="0" smtClean="0"/>
-              <a:t>Cognitive Load and simplicity of communication </a:t>
+              <a:t>Cognitive Load </a:t>
+            </a:r>
+            <a:r>
+              <a:rPr lang="en-US" dirty="0" smtClean="0"/>
+              <a:t>and chart readability</a:t>
             </a:r>
             <a:endParaRPr lang="en-US" dirty="0"/>
           </a:p>
@@ -8280,10 +8428,105 @@
           <a:bodyPr/>
           <a:lstStyle/>
           <a:p>
-            <a:pPr algn="ctr"/>
             <a:r>
               <a:rPr lang="en-US" dirty="0" smtClean="0"/>
-              <a:t>How to Learn “R”</a:t>
+              <a:t>Readability </a:t>
+            </a:r>
+            <a:endParaRPr lang="en-US" dirty="0"/>
+          </a:p>
+        </p:txBody>
+      </p:sp>
+      <p:pic>
+        <p:nvPicPr>
+          <p:cNvPr id="1026" name="Picture 2" descr="Image result for terribly complex data visualizations"/>
+          <p:cNvPicPr>
+            <a:picLocks noGrp="1" noChangeAspect="1" noChangeArrowheads="1"/>
+          </p:cNvPicPr>
+          <p:nvPr>
+            <p:ph idx="1"/>
+          </p:nvPr>
+        </p:nvPicPr>
+        <p:blipFill>
+          <a:blip r:embed="rId2">
+            <a:extLst>
+              <a:ext uri="{28A0092B-C50C-407E-A947-70E740481C1C}">
+                <a14:useLocalDpi xmlns:a14="http://schemas.microsoft.com/office/drawing/2010/main" val="0"/>
+              </a:ext>
+            </a:extLst>
+          </a:blip>
+          <a:srcRect/>
+          <a:stretch>
+            <a:fillRect/>
+          </a:stretch>
+        </p:blipFill>
+        <p:spPr bwMode="auto">
+          <a:xfrm>
+            <a:off x="2874336" y="1825625"/>
+            <a:ext cx="6443327" cy="4351338"/>
+          </a:xfrm>
+          <a:prstGeom prst="rect">
+            <a:avLst/>
+          </a:prstGeom>
+          <a:noFill/>
+          <a:extLst>
+            <a:ext uri="{909E8E84-426E-40DD-AFC4-6F175D3DCCD1}">
+              <a14:hiddenFill xmlns:a14="http://schemas.microsoft.com/office/drawing/2010/main">
+                <a:solidFill>
+                  <a:srgbClr val="FFFFFF"/>
+                </a:solidFill>
+              </a14:hiddenFill>
+            </a:ext>
+          </a:extLst>
+        </p:spPr>
+      </p:pic>
+    </p:spTree>
+    <p:extLst>
+      <p:ext uri="{BB962C8B-B14F-4D97-AF65-F5344CB8AC3E}">
+        <p14:creationId xmlns:p14="http://schemas.microsoft.com/office/powerpoint/2010/main" val="3284905370"/>
+      </p:ext>
+    </p:extLst>
+  </p:cSld>
+  <p:clrMapOvr>
+    <a:masterClrMapping/>
+  </p:clrMapOvr>
+</p:sld>
+</file>
+
+<file path=ppt/slides/slide19.xml><?xml version="1.0" encoding="utf-8"?>
+<p:sld xmlns:a="http://schemas.openxmlformats.org/drawingml/2006/main" xmlns:r="http://schemas.openxmlformats.org/officeDocument/2006/relationships" xmlns:p="http://schemas.openxmlformats.org/presentationml/2006/main">
+  <p:cSld>
+    <p:spTree>
+      <p:nvGrpSpPr>
+        <p:cNvPr id="1" name=""/>
+        <p:cNvGrpSpPr/>
+        <p:nvPr/>
+      </p:nvGrpSpPr>
+      <p:grpSpPr>
+        <a:xfrm>
+          <a:off x="0" y="0"/>
+          <a:ext cx="0" cy="0"/>
+          <a:chOff x="0" y="0"/>
+          <a:chExt cx="0" cy="0"/>
+        </a:xfrm>
+      </p:grpSpPr>
+      <p:sp>
+        <p:nvSpPr>
+          <p:cNvPr id="2" name="Title 1"/>
+          <p:cNvSpPr>
+            <a:spLocks noGrp="1"/>
+          </p:cNvSpPr>
+          <p:nvPr>
+            <p:ph type="title"/>
+          </p:nvPr>
+        </p:nvSpPr>
+        <p:spPr/>
+        <p:txBody>
+          <a:bodyPr/>
+          <a:lstStyle/>
+          <a:p>
+            <a:r>
+              <a:rPr lang="en-US" dirty="0" smtClean="0"/>
+              <a:t>How To Learn R</a:t>
             </a:r>
             <a:endParaRPr lang="en-US" dirty="0"/>
           </a:p>
@@ -8308,6 +8551,293 @@
               <a:rPr lang="en-US" dirty="0">
                 <a:hlinkClick r:id="rId2"/>
               </a:rPr>
+              <a:t>http://harrell.library.psu.edu/c.php?g=636627&amp;p=4461714</a:t>
+            </a:r>
+            <a:endParaRPr lang="en-US" dirty="0"/>
+          </a:p>
+          <a:p>
+            <a:endParaRPr lang="en-US" dirty="0"/>
+          </a:p>
+        </p:txBody>
+      </p:sp>
+    </p:spTree>
+    <p:extLst>
+      <p:ext uri="{BB962C8B-B14F-4D97-AF65-F5344CB8AC3E}">
+        <p14:creationId xmlns:p14="http://schemas.microsoft.com/office/powerpoint/2010/main" val="2862291543"/>
+      </p:ext>
+    </p:extLst>
+  </p:cSld>
+  <p:clrMapOvr>
+    <a:masterClrMapping/>
+  </p:clrMapOvr>
+</p:sld>
+</file>
+
+<file path=ppt/slides/slide2.xml><?xml version="1.0" encoding="utf-8"?>
+<p:sld xmlns:a="http://schemas.openxmlformats.org/drawingml/2006/main" xmlns:r="http://schemas.openxmlformats.org/officeDocument/2006/relationships" xmlns:p="http://schemas.openxmlformats.org/presentationml/2006/main">
+  <p:cSld>
+    <p:spTree>
+      <p:nvGrpSpPr>
+        <p:cNvPr id="1" name=""/>
+        <p:cNvGrpSpPr/>
+        <p:nvPr/>
+      </p:nvGrpSpPr>
+      <p:grpSpPr>
+        <a:xfrm>
+          <a:off x="0" y="0"/>
+          <a:ext cx="0" cy="0"/>
+          <a:chOff x="0" y="0"/>
+          <a:chExt cx="0" cy="0"/>
+        </a:xfrm>
+      </p:grpSpPr>
+      <p:sp>
+        <p:nvSpPr>
+          <p:cNvPr id="2" name="Title 1"/>
+          <p:cNvSpPr>
+            <a:spLocks noGrp="1"/>
+          </p:cNvSpPr>
+          <p:nvPr>
+            <p:ph type="title"/>
+          </p:nvPr>
+        </p:nvSpPr>
+        <p:spPr/>
+        <p:txBody>
+          <a:bodyPr/>
+          <a:lstStyle/>
+          <a:p>
+            <a:pPr algn="ctr"/>
+            <a:r>
+              <a:rPr lang="en-US" dirty="0" smtClean="0"/>
+              <a:t>Learning </a:t>
+            </a:r>
+            <a:r>
+              <a:rPr lang="en-US" dirty="0" smtClean="0"/>
+              <a:t>objectives</a:t>
+            </a:r>
+            <a:endParaRPr lang="en-US" dirty="0"/>
+          </a:p>
+        </p:txBody>
+      </p:sp>
+      <p:pic>
+        <p:nvPicPr>
+          <p:cNvPr id="4" name="Picture 2" descr="\\hersheymed.net\files\staff\b\bhoover\scatter.png"/>
+          <p:cNvPicPr>
+            <a:picLocks noGrp="1" noChangeAspect="1" noChangeArrowheads="1"/>
+          </p:cNvPicPr>
+          <p:nvPr>
+            <p:ph idx="1"/>
+          </p:nvPr>
+        </p:nvPicPr>
+        <p:blipFill>
+          <a:blip r:embed="rId2">
+            <a:extLst>
+              <a:ext uri="{28A0092B-C50C-407E-A947-70E740481C1C}">
+                <a14:useLocalDpi xmlns:a14="http://schemas.microsoft.com/office/drawing/2010/main" val="0"/>
+              </a:ext>
+            </a:extLst>
+          </a:blip>
+          <a:srcRect/>
+          <a:stretch>
+            <a:fillRect/>
+          </a:stretch>
+        </p:blipFill>
+        <p:spPr bwMode="auto">
+          <a:xfrm>
+            <a:off x="5760088" y="2865795"/>
+            <a:ext cx="6431912" cy="3847195"/>
+          </a:xfrm>
+          <a:prstGeom prst="rect">
+            <a:avLst/>
+          </a:prstGeom>
+          <a:noFill/>
+          <a:extLst>
+            <a:ext uri="{909E8E84-426E-40DD-AFC4-6F175D3DCCD1}">
+              <a14:hiddenFill xmlns:a14="http://schemas.microsoft.com/office/drawing/2010/main">
+                <a:solidFill>
+                  <a:srgbClr val="FFFFFF"/>
+                </a:solidFill>
+              </a14:hiddenFill>
+            </a:ext>
+          </a:extLst>
+        </p:spPr>
+      </p:pic>
+      <p:sp>
+        <p:nvSpPr>
+          <p:cNvPr id="3" name="TextBox 2"/>
+          <p:cNvSpPr txBox="1"/>
+          <p:nvPr/>
+        </p:nvSpPr>
+        <p:spPr>
+          <a:xfrm>
+            <a:off x="268013" y="1690688"/>
+            <a:ext cx="5492075" cy="3662541"/>
+          </a:xfrm>
+          <a:prstGeom prst="rect">
+            <a:avLst/>
+          </a:prstGeom>
+          <a:noFill/>
+        </p:spPr>
+        <p:txBody>
+          <a:bodyPr wrap="square" rtlCol="0">
+            <a:spAutoFit/>
+          </a:bodyPr>
+          <a:lstStyle/>
+          <a:p>
+            <a:pPr marL="285750" indent="-285750">
+              <a:buFont typeface="Arial" panose="020B0604020202020204" pitchFamily="34" charset="0"/>
+              <a:buChar char="•"/>
+            </a:pPr>
+            <a:r>
+              <a:rPr lang="en-US" sz="2800" dirty="0" smtClean="0"/>
+              <a:t>The capabilities of R </a:t>
+            </a:r>
+          </a:p>
+          <a:p>
+            <a:endParaRPr lang="en-US" sz="2800" dirty="0" smtClean="0"/>
+          </a:p>
+          <a:p>
+            <a:pPr marL="285750" indent="-285750">
+              <a:buFont typeface="Arial" panose="020B0604020202020204" pitchFamily="34" charset="0"/>
+              <a:buChar char="•"/>
+            </a:pPr>
+            <a:r>
+              <a:rPr lang="en-US" sz="2800" dirty="0" smtClean="0"/>
+              <a:t>R basics </a:t>
+            </a:r>
+            <a:endParaRPr lang="en-US" sz="2800" dirty="0" smtClean="0"/>
+          </a:p>
+          <a:p>
+            <a:endParaRPr lang="en-US" sz="2800" dirty="0" smtClean="0"/>
+          </a:p>
+          <a:p>
+            <a:pPr marL="285750" indent="-285750">
+              <a:buFont typeface="Arial" panose="020B0604020202020204" pitchFamily="34" charset="0"/>
+              <a:buChar char="•"/>
+            </a:pPr>
+            <a:r>
+              <a:rPr lang="en-US" sz="2800" dirty="0" smtClean="0"/>
+              <a:t>Best practices</a:t>
+            </a:r>
+          </a:p>
+          <a:p>
+            <a:pPr marL="285750" indent="-285750">
+              <a:buFont typeface="Arial" panose="020B0604020202020204" pitchFamily="34" charset="0"/>
+              <a:buChar char="•"/>
+            </a:pPr>
+            <a:endParaRPr lang="en-US" sz="2800" dirty="0" smtClean="0"/>
+          </a:p>
+          <a:p>
+            <a:pPr marL="285750" indent="-285750">
+              <a:buFont typeface="Arial" panose="020B0604020202020204" pitchFamily="34" charset="0"/>
+              <a:buChar char="•"/>
+            </a:pPr>
+            <a:r>
+              <a:rPr lang="en-US" sz="2800" dirty="0" smtClean="0"/>
+              <a:t>Recipes and how to learn more</a:t>
+            </a:r>
+            <a:endParaRPr lang="en-US" sz="2800" dirty="0" smtClean="0"/>
+          </a:p>
+          <a:p>
+            <a:pPr marL="285750" indent="-285750">
+              <a:buFont typeface="Arial" panose="020B0604020202020204" pitchFamily="34" charset="0"/>
+              <a:buChar char="•"/>
+            </a:pPr>
+            <a:endParaRPr lang="en-US" dirty="0" smtClean="0"/>
+          </a:p>
+          <a:p>
+            <a:pPr marL="285750" indent="-285750">
+              <a:buFont typeface="Arial" panose="020B0604020202020204" pitchFamily="34" charset="0"/>
+              <a:buChar char="•"/>
+            </a:pPr>
+            <a:endParaRPr lang="en-US" dirty="0"/>
+          </a:p>
+        </p:txBody>
+      </p:sp>
+    </p:spTree>
+    <p:extLst>
+      <p:ext uri="{BB962C8B-B14F-4D97-AF65-F5344CB8AC3E}">
+        <p14:creationId xmlns:p14="http://schemas.microsoft.com/office/powerpoint/2010/main" val="286261203"/>
+      </p:ext>
+    </p:extLst>
+  </p:cSld>
+  <p:clrMapOvr>
+    <a:masterClrMapping/>
+  </p:clrMapOvr>
+</p:sld>
+</file>
+
+<file path=ppt/slides/slide20.xml><?xml version="1.0" encoding="utf-8"?>
+<p:sld xmlns:a="http://schemas.openxmlformats.org/drawingml/2006/main" xmlns:r="http://schemas.openxmlformats.org/officeDocument/2006/relationships" xmlns:p="http://schemas.openxmlformats.org/presentationml/2006/main">
+  <p:cSld>
+    <p:spTree>
+      <p:nvGrpSpPr>
+        <p:cNvPr id="1" name=""/>
+        <p:cNvGrpSpPr/>
+        <p:nvPr/>
+      </p:nvGrpSpPr>
+      <p:grpSpPr>
+        <a:xfrm>
+          <a:off x="0" y="0"/>
+          <a:ext cx="0" cy="0"/>
+          <a:chOff x="0" y="0"/>
+          <a:chExt cx="0" cy="0"/>
+        </a:xfrm>
+      </p:grpSpPr>
+      <p:sp>
+        <p:nvSpPr>
+          <p:cNvPr id="2" name="Title 1"/>
+          <p:cNvSpPr>
+            <a:spLocks noGrp="1"/>
+          </p:cNvSpPr>
+          <p:nvPr>
+            <p:ph type="title"/>
+          </p:nvPr>
+        </p:nvSpPr>
+        <p:spPr/>
+        <p:txBody>
+          <a:bodyPr/>
+          <a:lstStyle/>
+          <a:p>
+            <a:pPr algn="ctr"/>
+            <a:r>
+              <a:rPr lang="en-US" dirty="0" smtClean="0"/>
+              <a:t>How </a:t>
+            </a:r>
+            <a:r>
+              <a:rPr lang="en-US" dirty="0"/>
+              <a:t>T</a:t>
+            </a:r>
+            <a:r>
+              <a:rPr lang="en-US" dirty="0" smtClean="0"/>
+              <a:t>o </a:t>
+            </a:r>
+            <a:r>
+              <a:rPr lang="en-US" dirty="0" smtClean="0"/>
+              <a:t>Learn “R”</a:t>
+            </a:r>
+            <a:endParaRPr lang="en-US" dirty="0"/>
+          </a:p>
+        </p:txBody>
+      </p:sp>
+      <p:sp>
+        <p:nvSpPr>
+          <p:cNvPr id="3" name="Content Placeholder 2"/>
+          <p:cNvSpPr>
+            <a:spLocks noGrp="1"/>
+          </p:cNvSpPr>
+          <p:nvPr>
+            <p:ph idx="1"/>
+          </p:nvPr>
+        </p:nvSpPr>
+        <p:spPr/>
+        <p:txBody>
+          <a:bodyPr/>
+          <a:lstStyle/>
+          <a:p>
+            <a:r>
+              <a:rPr lang="en-US" dirty="0">
+                <a:hlinkClick r:id="rId2"/>
+              </a:rPr>
               <a:t>https://www.r-bloggers.com</a:t>
             </a:r>
             <a:r>
@@ -8329,23 +8859,26 @@
               <a:rPr lang="en-US" dirty="0">
                 <a:hlinkClick r:id="rId3"/>
               </a:rPr>
-              <a:t>://harrell.library.psu.edu/c.php?g=636627&amp;p=4461714</a:t>
-            </a:r>
-            <a:endParaRPr lang="en-US" dirty="0"/>
-          </a:p>
-          <a:p>
-            <a:r>
-              <a:rPr lang="en-US" dirty="0">
-                <a:hlinkClick r:id="rId4"/>
-              </a:rPr>
-              <a:t>http://</a:t>
+              <a:t>://</a:t>
             </a:r>
             <a:r>
               <a:rPr lang="en-US" dirty="0" smtClean="0">
-                <a:hlinkClick r:id="rId4"/>
+                <a:hlinkClick r:id="rId3"/>
               </a:rPr>
               <a:t>r-statistics.co/Top50-Ggplot2-Visualizations-MasterList-R-Code.html</a:t>
             </a:r>
+            <a:endParaRPr lang="en-US" dirty="0" smtClean="0"/>
+          </a:p>
+          <a:p>
+            <a:endParaRPr lang="en-US" dirty="0"/>
+          </a:p>
+          <a:p>
+            <a:endParaRPr lang="en-US" dirty="0" smtClean="0"/>
+          </a:p>
+          <a:p>
+            <a:pPr marL="0" indent="0">
+              <a:buNone/>
+            </a:pPr>
             <a:endParaRPr lang="en-US" dirty="0" smtClean="0"/>
           </a:p>
           <a:p>
@@ -8369,7 +8902,7 @@
 </p:sld>
 </file>
 
-<file path=ppt/slides/slide19.xml><?xml version="1.0" encoding="utf-8"?>
+<file path=ppt/slides/slide21.xml><?xml version="1.0" encoding="utf-8"?>
 <p:sld xmlns:a="http://schemas.openxmlformats.org/drawingml/2006/main" xmlns:r="http://schemas.openxmlformats.org/officeDocument/2006/relationships" xmlns:p="http://schemas.openxmlformats.org/presentationml/2006/main">
   <p:cSld>
     <p:spTree>
@@ -8490,177 +9023,7 @@
 </p:sld>
 </file>
 
-<file path=ppt/slides/slide2.xml><?xml version="1.0" encoding="utf-8"?>
-<p:sld xmlns:a="http://schemas.openxmlformats.org/drawingml/2006/main" xmlns:r="http://schemas.openxmlformats.org/officeDocument/2006/relationships" xmlns:p="http://schemas.openxmlformats.org/presentationml/2006/main">
-  <p:cSld>
-    <p:spTree>
-      <p:nvGrpSpPr>
-        <p:cNvPr id="1" name=""/>
-        <p:cNvGrpSpPr/>
-        <p:nvPr/>
-      </p:nvGrpSpPr>
-      <p:grpSpPr>
-        <a:xfrm>
-          <a:off x="0" y="0"/>
-          <a:ext cx="0" cy="0"/>
-          <a:chOff x="0" y="0"/>
-          <a:chExt cx="0" cy="0"/>
-        </a:xfrm>
-      </p:grpSpPr>
-      <p:sp>
-        <p:nvSpPr>
-          <p:cNvPr id="2" name="Title 1"/>
-          <p:cNvSpPr>
-            <a:spLocks noGrp="1"/>
-          </p:cNvSpPr>
-          <p:nvPr>
-            <p:ph type="title"/>
-          </p:nvPr>
-        </p:nvSpPr>
-        <p:spPr/>
-        <p:txBody>
-          <a:bodyPr/>
-          <a:lstStyle/>
-          <a:p>
-            <a:pPr algn="ctr"/>
-            <a:r>
-              <a:rPr lang="en-US" dirty="0" smtClean="0"/>
-              <a:t>Learning Objectives</a:t>
-            </a:r>
-            <a:endParaRPr lang="en-US" dirty="0"/>
-          </a:p>
-        </p:txBody>
-      </p:sp>
-      <p:pic>
-        <p:nvPicPr>
-          <p:cNvPr id="4" name="Picture 2" descr="\\hersheymed.net\files\staff\b\bhoover\scatter.png"/>
-          <p:cNvPicPr>
-            <a:picLocks noGrp="1" noChangeAspect="1" noChangeArrowheads="1"/>
-          </p:cNvPicPr>
-          <p:nvPr>
-            <p:ph idx="1"/>
-          </p:nvPr>
-        </p:nvPicPr>
-        <p:blipFill>
-          <a:blip r:embed="rId2">
-            <a:extLst>
-              <a:ext uri="{28A0092B-C50C-407E-A947-70E740481C1C}">
-                <a14:useLocalDpi xmlns:a14="http://schemas.microsoft.com/office/drawing/2010/main" val="0"/>
-              </a:ext>
-            </a:extLst>
-          </a:blip>
-          <a:srcRect/>
-          <a:stretch>
-            <a:fillRect/>
-          </a:stretch>
-        </p:blipFill>
-        <p:spPr bwMode="auto">
-          <a:xfrm>
-            <a:off x="5760088" y="2865795"/>
-            <a:ext cx="6431912" cy="3847195"/>
-          </a:xfrm>
-          <a:prstGeom prst="rect">
-            <a:avLst/>
-          </a:prstGeom>
-          <a:noFill/>
-          <a:extLst>
-            <a:ext uri="{909E8E84-426E-40DD-AFC4-6F175D3DCCD1}">
-              <a14:hiddenFill xmlns:a14="http://schemas.microsoft.com/office/drawing/2010/main">
-                <a:solidFill>
-                  <a:srgbClr val="FFFFFF"/>
-                </a:solidFill>
-              </a14:hiddenFill>
-            </a:ext>
-          </a:extLst>
-        </p:spPr>
-      </p:pic>
-      <p:sp>
-        <p:nvSpPr>
-          <p:cNvPr id="3" name="TextBox 2"/>
-          <p:cNvSpPr txBox="1"/>
-          <p:nvPr/>
-        </p:nvSpPr>
-        <p:spPr>
-          <a:xfrm>
-            <a:off x="268013" y="1690688"/>
-            <a:ext cx="5492075" cy="2800767"/>
-          </a:xfrm>
-          <a:prstGeom prst="rect">
-            <a:avLst/>
-          </a:prstGeom>
-          <a:noFill/>
-        </p:spPr>
-        <p:txBody>
-          <a:bodyPr wrap="square" rtlCol="0">
-            <a:spAutoFit/>
-          </a:bodyPr>
-          <a:lstStyle/>
-          <a:p>
-            <a:pPr marL="285750" indent="-285750">
-              <a:buFont typeface="Arial" panose="020B0604020202020204" pitchFamily="34" charset="0"/>
-              <a:buChar char="•"/>
-            </a:pPr>
-            <a:r>
-              <a:rPr lang="en-US" sz="2800" dirty="0" smtClean="0"/>
-              <a:t>The capabilities of R </a:t>
-            </a:r>
-          </a:p>
-          <a:p>
-            <a:endParaRPr lang="en-US" sz="2800" dirty="0" smtClean="0"/>
-          </a:p>
-          <a:p>
-            <a:pPr marL="285750" indent="-285750">
-              <a:buFont typeface="Arial" panose="020B0604020202020204" pitchFamily="34" charset="0"/>
-              <a:buChar char="•"/>
-            </a:pPr>
-            <a:r>
-              <a:rPr lang="en-US" sz="2800" dirty="0" smtClean="0"/>
-              <a:t>Inserting data sets</a:t>
-            </a:r>
-          </a:p>
-          <a:p>
-            <a:endParaRPr lang="en-US" sz="2800" dirty="0" smtClean="0"/>
-          </a:p>
-          <a:p>
-            <a:pPr marL="285750" indent="-285750">
-              <a:buFont typeface="Arial" panose="020B0604020202020204" pitchFamily="34" charset="0"/>
-              <a:buChar char="•"/>
-            </a:pPr>
-            <a:r>
-              <a:rPr lang="en-US" sz="2800" dirty="0" smtClean="0"/>
-              <a:t>Strategies for learning new recipes </a:t>
-            </a:r>
-          </a:p>
-          <a:p>
-            <a:pPr marL="285750" indent="-285750">
-              <a:buFont typeface="Arial" panose="020B0604020202020204" pitchFamily="34" charset="0"/>
-              <a:buChar char="•"/>
-            </a:pPr>
-            <a:endParaRPr lang="en-US" dirty="0" smtClean="0"/>
-          </a:p>
-          <a:p>
-            <a:pPr marL="285750" indent="-285750">
-              <a:buFont typeface="Arial" panose="020B0604020202020204" pitchFamily="34" charset="0"/>
-              <a:buChar char="•"/>
-            </a:pPr>
-            <a:endParaRPr lang="en-US" dirty="0"/>
-          </a:p>
-        </p:txBody>
-      </p:sp>
-    </p:spTree>
-    <p:extLst>
-      <p:ext uri="{BB962C8B-B14F-4D97-AF65-F5344CB8AC3E}">
-        <p14:creationId xmlns:p14="http://schemas.microsoft.com/office/powerpoint/2010/main" val="286261203"/>
-      </p:ext>
-    </p:extLst>
-  </p:cSld>
-  <p:clrMapOvr>
-    <a:masterClrMapping/>
-  </p:clrMapOvr>
-</p:sld>
-</file>
-
-<file path=ppt/slides/slide20.xml><?xml version="1.0" encoding="utf-8"?>
+<file path=ppt/slides/slide22.xml><?xml version="1.0" encoding="utf-8"?>
 <p:sld xmlns:a="http://schemas.openxmlformats.org/drawingml/2006/main" xmlns:r="http://schemas.openxmlformats.org/officeDocument/2006/relationships" xmlns:p="http://schemas.openxmlformats.org/presentationml/2006/main">
   <p:cSld>
     <p:spTree>
@@ -8742,278 +9105,6 @@
 </p:sld>
 </file>
 
-<file path=ppt/slides/slide21.xml><?xml version="1.0" encoding="utf-8"?>
-<p:sld xmlns:a="http://schemas.openxmlformats.org/drawingml/2006/main" xmlns:r="http://schemas.openxmlformats.org/officeDocument/2006/relationships" xmlns:p="http://schemas.openxmlformats.org/presentationml/2006/main">
-  <p:cSld>
-    <p:spTree>
-      <p:nvGrpSpPr>
-        <p:cNvPr id="1" name=""/>
-        <p:cNvGrpSpPr/>
-        <p:nvPr/>
-      </p:nvGrpSpPr>
-      <p:grpSpPr>
-        <a:xfrm>
-          <a:off x="0" y="0"/>
-          <a:ext cx="0" cy="0"/>
-          <a:chOff x="0" y="0"/>
-          <a:chExt cx="0" cy="0"/>
-        </a:xfrm>
-      </p:grpSpPr>
-      <p:sp>
-        <p:nvSpPr>
-          <p:cNvPr id="2" name="Title 1"/>
-          <p:cNvSpPr>
-            <a:spLocks noGrp="1"/>
-          </p:cNvSpPr>
-          <p:nvPr>
-            <p:ph type="title"/>
-          </p:nvPr>
-        </p:nvSpPr>
-        <p:spPr/>
-        <p:txBody>
-          <a:bodyPr/>
-          <a:lstStyle/>
-          <a:p>
-            <a:endParaRPr lang="en-US"/>
-          </a:p>
-        </p:txBody>
-      </p:sp>
-      <p:sp>
-        <p:nvSpPr>
-          <p:cNvPr id="3" name="Content Placeholder 2"/>
-          <p:cNvSpPr>
-            <a:spLocks noGrp="1"/>
-          </p:cNvSpPr>
-          <p:nvPr>
-            <p:ph idx="1"/>
-          </p:nvPr>
-        </p:nvSpPr>
-        <p:spPr/>
-        <p:txBody>
-          <a:bodyPr/>
-          <a:lstStyle/>
-          <a:p>
-            <a:endParaRPr lang="en-US"/>
-          </a:p>
-        </p:txBody>
-      </p:sp>
-    </p:spTree>
-    <p:extLst>
-      <p:ext uri="{BB962C8B-B14F-4D97-AF65-F5344CB8AC3E}">
-        <p14:creationId xmlns:p14="http://schemas.microsoft.com/office/powerpoint/2010/main" val="2862291543"/>
-      </p:ext>
-    </p:extLst>
-  </p:cSld>
-  <p:clrMapOvr>
-    <a:masterClrMapping/>
-  </p:clrMapOvr>
-</p:sld>
-</file>
-
-<file path=ppt/slides/slide22.xml><?xml version="1.0" encoding="utf-8"?>
-<p:sld xmlns:a="http://schemas.openxmlformats.org/drawingml/2006/main" xmlns:r="http://schemas.openxmlformats.org/officeDocument/2006/relationships" xmlns:p="http://schemas.openxmlformats.org/presentationml/2006/main">
-  <p:cSld>
-    <p:spTree>
-      <p:nvGrpSpPr>
-        <p:cNvPr id="1" name=""/>
-        <p:cNvGrpSpPr/>
-        <p:nvPr/>
-      </p:nvGrpSpPr>
-      <p:grpSpPr>
-        <a:xfrm>
-          <a:off x="0" y="0"/>
-          <a:ext cx="0" cy="0"/>
-          <a:chOff x="0" y="0"/>
-          <a:chExt cx="0" cy="0"/>
-        </a:xfrm>
-      </p:grpSpPr>
-      <p:sp>
-        <p:nvSpPr>
-          <p:cNvPr id="2" name="Title 1"/>
-          <p:cNvSpPr>
-            <a:spLocks noGrp="1"/>
-          </p:cNvSpPr>
-          <p:nvPr>
-            <p:ph type="title"/>
-          </p:nvPr>
-        </p:nvSpPr>
-        <p:spPr/>
-        <p:txBody>
-          <a:bodyPr/>
-          <a:lstStyle/>
-          <a:p>
-            <a:endParaRPr lang="en-US"/>
-          </a:p>
-        </p:txBody>
-      </p:sp>
-      <p:sp>
-        <p:nvSpPr>
-          <p:cNvPr id="3" name="Content Placeholder 2"/>
-          <p:cNvSpPr>
-            <a:spLocks noGrp="1"/>
-          </p:cNvSpPr>
-          <p:nvPr>
-            <p:ph idx="1"/>
-          </p:nvPr>
-        </p:nvSpPr>
-        <p:spPr/>
-        <p:txBody>
-          <a:bodyPr/>
-          <a:lstStyle/>
-          <a:p>
-            <a:endParaRPr lang="en-US"/>
-          </a:p>
-        </p:txBody>
-      </p:sp>
-    </p:spTree>
-    <p:extLst>
-      <p:ext uri="{BB962C8B-B14F-4D97-AF65-F5344CB8AC3E}">
-        <p14:creationId xmlns:p14="http://schemas.microsoft.com/office/powerpoint/2010/main" val="806000858"/>
-      </p:ext>
-    </p:extLst>
-  </p:cSld>
-  <p:clrMapOvr>
-    <a:masterClrMapping/>
-  </p:clrMapOvr>
-</p:sld>
-</file>
-
-<file path=ppt/slides/slide23.xml><?xml version="1.0" encoding="utf-8"?>
-<p:sld xmlns:a="http://schemas.openxmlformats.org/drawingml/2006/main" xmlns:r="http://schemas.openxmlformats.org/officeDocument/2006/relationships" xmlns:p="http://schemas.openxmlformats.org/presentationml/2006/main">
-  <p:cSld>
-    <p:spTree>
-      <p:nvGrpSpPr>
-        <p:cNvPr id="1" name=""/>
-        <p:cNvGrpSpPr/>
-        <p:nvPr/>
-      </p:nvGrpSpPr>
-      <p:grpSpPr>
-        <a:xfrm>
-          <a:off x="0" y="0"/>
-          <a:ext cx="0" cy="0"/>
-          <a:chOff x="0" y="0"/>
-          <a:chExt cx="0" cy="0"/>
-        </a:xfrm>
-      </p:grpSpPr>
-      <p:sp>
-        <p:nvSpPr>
-          <p:cNvPr id="2" name="Title 1"/>
-          <p:cNvSpPr>
-            <a:spLocks noGrp="1"/>
-          </p:cNvSpPr>
-          <p:nvPr>
-            <p:ph type="title"/>
-          </p:nvPr>
-        </p:nvSpPr>
-        <p:spPr/>
-        <p:txBody>
-          <a:bodyPr/>
-          <a:lstStyle/>
-          <a:p>
-            <a:endParaRPr lang="en-US"/>
-          </a:p>
-        </p:txBody>
-      </p:sp>
-      <p:sp>
-        <p:nvSpPr>
-          <p:cNvPr id="3" name="Content Placeholder 2"/>
-          <p:cNvSpPr>
-            <a:spLocks noGrp="1"/>
-          </p:cNvSpPr>
-          <p:nvPr>
-            <p:ph idx="1"/>
-          </p:nvPr>
-        </p:nvSpPr>
-        <p:spPr/>
-        <p:txBody>
-          <a:bodyPr/>
-          <a:lstStyle/>
-          <a:p>
-            <a:endParaRPr lang="en-US"/>
-          </a:p>
-        </p:txBody>
-      </p:sp>
-    </p:spTree>
-    <p:extLst>
-      <p:ext uri="{BB962C8B-B14F-4D97-AF65-F5344CB8AC3E}">
-        <p14:creationId xmlns:p14="http://schemas.microsoft.com/office/powerpoint/2010/main" val="3284905370"/>
-      </p:ext>
-    </p:extLst>
-  </p:cSld>
-  <p:clrMapOvr>
-    <a:masterClrMapping/>
-  </p:clrMapOvr>
-</p:sld>
-</file>
-
-<file path=ppt/slides/slide24.xml><?xml version="1.0" encoding="utf-8"?>
-<p:sld xmlns:a="http://schemas.openxmlformats.org/drawingml/2006/main" xmlns:r="http://schemas.openxmlformats.org/officeDocument/2006/relationships" xmlns:p="http://schemas.openxmlformats.org/presentationml/2006/main">
-  <p:cSld>
-    <p:spTree>
-      <p:nvGrpSpPr>
-        <p:cNvPr id="1" name=""/>
-        <p:cNvGrpSpPr/>
-        <p:nvPr/>
-      </p:nvGrpSpPr>
-      <p:grpSpPr>
-        <a:xfrm>
-          <a:off x="0" y="0"/>
-          <a:ext cx="0" cy="0"/>
-          <a:chOff x="0" y="0"/>
-          <a:chExt cx="0" cy="0"/>
-        </a:xfrm>
-      </p:grpSpPr>
-      <p:sp>
-        <p:nvSpPr>
-          <p:cNvPr id="2" name="Title 1"/>
-          <p:cNvSpPr>
-            <a:spLocks noGrp="1"/>
-          </p:cNvSpPr>
-          <p:nvPr>
-            <p:ph type="title"/>
-          </p:nvPr>
-        </p:nvSpPr>
-        <p:spPr/>
-        <p:txBody>
-          <a:bodyPr/>
-          <a:lstStyle/>
-          <a:p>
-            <a:endParaRPr lang="en-US"/>
-          </a:p>
-        </p:txBody>
-      </p:sp>
-      <p:sp>
-        <p:nvSpPr>
-          <p:cNvPr id="3" name="Content Placeholder 2"/>
-          <p:cNvSpPr>
-            <a:spLocks noGrp="1"/>
-          </p:cNvSpPr>
-          <p:nvPr>
-            <p:ph idx="1"/>
-          </p:nvPr>
-        </p:nvSpPr>
-        <p:spPr/>
-        <p:txBody>
-          <a:bodyPr/>
-          <a:lstStyle/>
-          <a:p>
-            <a:endParaRPr lang="en-US"/>
-          </a:p>
-        </p:txBody>
-      </p:sp>
-    </p:spTree>
-    <p:extLst>
-      <p:ext uri="{BB962C8B-B14F-4D97-AF65-F5344CB8AC3E}">
-        <p14:creationId xmlns:p14="http://schemas.microsoft.com/office/powerpoint/2010/main" val="1540263042"/>
-      </p:ext>
-    </p:extLst>
-  </p:cSld>
-  <p:clrMapOvr>
-    <a:masterClrMapping/>
-  </p:clrMapOvr>
-</p:sld>
-</file>
-
 <file path=ppt/slides/slide3.xml><?xml version="1.0" encoding="utf-8"?>
 <p:sld xmlns:a="http://schemas.openxmlformats.org/drawingml/2006/main" xmlns:r="http://schemas.openxmlformats.org/officeDocument/2006/relationships" xmlns:p="http://schemas.openxmlformats.org/presentationml/2006/main">
   <p:cSld>
@@ -9049,7 +9140,19 @@
             <a:pPr algn="ctr"/>
             <a:r>
               <a:rPr lang="en-US" dirty="0" smtClean="0"/>
-              <a:t>What is “R”</a:t>
+              <a:t>What </a:t>
+            </a:r>
+            <a:r>
+              <a:rPr lang="en-US" dirty="0"/>
+              <a:t>i</a:t>
+            </a:r>
+            <a:r>
+              <a:rPr lang="en-US" dirty="0" smtClean="0"/>
+              <a:t>s </a:t>
+            </a:r>
+            <a:r>
+              <a:rPr lang="en-US" dirty="0" smtClean="0"/>
+              <a:t>“R”</a:t>
             </a:r>
             <a:endParaRPr lang="en-US" dirty="0"/>
           </a:p>
@@ -9197,7 +9300,27 @@
             <a:pPr algn="ctr"/>
             <a:r>
               <a:rPr lang="en-US" dirty="0" smtClean="0"/>
-              <a:t>R in the Data lifecycle </a:t>
+              <a:t>R </a:t>
+            </a:r>
+            <a:r>
+              <a:rPr lang="en-US" dirty="0"/>
+              <a:t>i</a:t>
+            </a:r>
+            <a:r>
+              <a:rPr lang="en-US" dirty="0" smtClean="0"/>
+              <a:t>n </a:t>
+            </a:r>
+            <a:r>
+              <a:rPr lang="en-US" dirty="0" smtClean="0"/>
+              <a:t>the </a:t>
+            </a:r>
+            <a:r>
+              <a:rPr lang="en-US" dirty="0" smtClean="0"/>
+              <a:t>data </a:t>
+            </a:r>
+            <a:r>
+              <a:rPr lang="en-US" dirty="0" smtClean="0"/>
+              <a:t>lifecycle </a:t>
             </a:r>
             <a:endParaRPr lang="en-US" dirty="0"/>
           </a:p>

--- a/VisualizingR.pptx
+++ b/VisualizingR.pptx
@@ -12,8 +12,8 @@
     <p:sldId id="259" r:id="rId6"/>
     <p:sldId id="263" r:id="rId7"/>
     <p:sldId id="264" r:id="rId8"/>
-    <p:sldId id="281" r:id="rId9"/>
-    <p:sldId id="265" r:id="rId10"/>
+    <p:sldId id="265" r:id="rId9"/>
+    <p:sldId id="281" r:id="rId10"/>
     <p:sldId id="282" r:id="rId11"/>
     <p:sldId id="266" r:id="rId12"/>
     <p:sldId id="267" r:id="rId13"/>
@@ -275,7 +275,7 @@
           <a:p>
             <a:fld id="{C35394EB-9F86-4F21-A029-4575CEE7960E}" type="datetimeFigureOut">
               <a:rPr lang="en-US" smtClean="0"/>
-              <a:t>6/27/2017</a:t>
+              <a:t>11/13/2017</a:t>
             </a:fld>
             <a:endParaRPr lang="en-US"/>
           </a:p>
@@ -445,7 +445,7 @@
           <a:p>
             <a:fld id="{C35394EB-9F86-4F21-A029-4575CEE7960E}" type="datetimeFigureOut">
               <a:rPr lang="en-US" smtClean="0"/>
-              <a:t>6/27/2017</a:t>
+              <a:t>11/13/2017</a:t>
             </a:fld>
             <a:endParaRPr lang="en-US"/>
           </a:p>
@@ -625,7 +625,7 @@
           <a:p>
             <a:fld id="{C35394EB-9F86-4F21-A029-4575CEE7960E}" type="datetimeFigureOut">
               <a:rPr lang="en-US" smtClean="0"/>
-              <a:t>6/27/2017</a:t>
+              <a:t>11/13/2017</a:t>
             </a:fld>
             <a:endParaRPr lang="en-US"/>
           </a:p>
@@ -795,7 +795,7 @@
           <a:p>
             <a:fld id="{C35394EB-9F86-4F21-A029-4575CEE7960E}" type="datetimeFigureOut">
               <a:rPr lang="en-US" smtClean="0"/>
-              <a:t>6/27/2017</a:t>
+              <a:t>11/13/2017</a:t>
             </a:fld>
             <a:endParaRPr lang="en-US"/>
           </a:p>
@@ -1041,7 +1041,7 @@
           <a:p>
             <a:fld id="{C35394EB-9F86-4F21-A029-4575CEE7960E}" type="datetimeFigureOut">
               <a:rPr lang="en-US" smtClean="0"/>
-              <a:t>6/27/2017</a:t>
+              <a:t>11/13/2017</a:t>
             </a:fld>
             <a:endParaRPr lang="en-US"/>
           </a:p>
@@ -1273,7 +1273,7 @@
           <a:p>
             <a:fld id="{C35394EB-9F86-4F21-A029-4575CEE7960E}" type="datetimeFigureOut">
               <a:rPr lang="en-US" smtClean="0"/>
-              <a:t>6/27/2017</a:t>
+              <a:t>11/13/2017</a:t>
             </a:fld>
             <a:endParaRPr lang="en-US"/>
           </a:p>
@@ -1640,7 +1640,7 @@
           <a:p>
             <a:fld id="{C35394EB-9F86-4F21-A029-4575CEE7960E}" type="datetimeFigureOut">
               <a:rPr lang="en-US" smtClean="0"/>
-              <a:t>6/27/2017</a:t>
+              <a:t>11/13/2017</a:t>
             </a:fld>
             <a:endParaRPr lang="en-US"/>
           </a:p>
@@ -1758,7 +1758,7 @@
           <a:p>
             <a:fld id="{C35394EB-9F86-4F21-A029-4575CEE7960E}" type="datetimeFigureOut">
               <a:rPr lang="en-US" smtClean="0"/>
-              <a:t>6/27/2017</a:t>
+              <a:t>11/13/2017</a:t>
             </a:fld>
             <a:endParaRPr lang="en-US"/>
           </a:p>
@@ -1853,7 +1853,7 @@
           <a:p>
             <a:fld id="{C35394EB-9F86-4F21-A029-4575CEE7960E}" type="datetimeFigureOut">
               <a:rPr lang="en-US" smtClean="0"/>
-              <a:t>6/27/2017</a:t>
+              <a:t>11/13/2017</a:t>
             </a:fld>
             <a:endParaRPr lang="en-US"/>
           </a:p>
@@ -2130,7 +2130,7 @@
           <a:p>
             <a:fld id="{C35394EB-9F86-4F21-A029-4575CEE7960E}" type="datetimeFigureOut">
               <a:rPr lang="en-US" smtClean="0"/>
-              <a:t>6/27/2017</a:t>
+              <a:t>11/13/2017</a:t>
             </a:fld>
             <a:endParaRPr lang="en-US"/>
           </a:p>
@@ -2383,7 +2383,7 @@
           <a:p>
             <a:fld id="{C35394EB-9F86-4F21-A029-4575CEE7960E}" type="datetimeFigureOut">
               <a:rPr lang="en-US" smtClean="0"/>
-              <a:t>6/27/2017</a:t>
+              <a:t>11/13/2017</a:t>
             </a:fld>
             <a:endParaRPr lang="en-US"/>
           </a:p>
@@ -2596,7 +2596,7 @@
           <a:p>
             <a:fld id="{C35394EB-9F86-4F21-A029-4575CEE7960E}" type="datetimeFigureOut">
               <a:rPr lang="en-US" smtClean="0"/>
-              <a:t>6/27/2017</a:t>
+              <a:t>11/13/2017</a:t>
             </a:fld>
             <a:endParaRPr lang="en-US"/>
           </a:p>
@@ -3042,11 +3042,7 @@
             </a:r>
             <a:r>
               <a:rPr lang="en-US" dirty="0" smtClean="0"/>
-              <a:t>ith </a:t>
-            </a:r>
-            <a:r>
-              <a:rPr lang="en-US" dirty="0" smtClean="0"/>
-              <a:t>“R”</a:t>
+              <a:t>ith “R”</a:t>
             </a:r>
             <a:endParaRPr lang="en-US" dirty="0"/>
           </a:p>
@@ -3477,7 +3473,7 @@
               <a:buNone/>
             </a:pPr>
             <a:r>
-              <a:rPr lang="en-US" dirty="0"/>
+              <a:rPr lang="en-US" dirty="0" smtClean="0"/>
               <a:t>Publish </a:t>
             </a:r>
             <a:r>
@@ -3676,11 +3672,7 @@
           <a:p>
             <a:r>
               <a:rPr lang="en-US" dirty="0" smtClean="0"/>
-              <a:t>Cognitive Load </a:t>
-            </a:r>
-            <a:r>
-              <a:rPr lang="en-US" dirty="0" smtClean="0"/>
-              <a:t>and chart readability</a:t>
+              <a:t>Cognitive Load and chart readability</a:t>
             </a:r>
             <a:endParaRPr lang="en-US" dirty="0"/>
           </a:p>
@@ -8608,11 +8600,7 @@
             <a:pPr algn="ctr"/>
             <a:r>
               <a:rPr lang="en-US" dirty="0" smtClean="0"/>
-              <a:t>Learning </a:t>
-            </a:r>
-            <a:r>
-              <a:rPr lang="en-US" dirty="0" smtClean="0"/>
-              <a:t>objectives</a:t>
+              <a:t>Learning objectives</a:t>
             </a:r>
             <a:endParaRPr lang="en-US" dirty="0"/>
           </a:p>
@@ -8704,7 +8692,6 @@
               <a:rPr lang="en-US" sz="2800" dirty="0" smtClean="0"/>
               <a:t>R basics </a:t>
             </a:r>
-            <a:endParaRPr lang="en-US" sz="2800" dirty="0" smtClean="0"/>
           </a:p>
           <a:p>
             <a:endParaRPr lang="en-US" sz="2800" dirty="0" smtClean="0"/>
@@ -8735,7 +8722,6 @@
               <a:rPr lang="en-US" sz="2800" dirty="0" smtClean="0"/>
               <a:t>Recipes and how to learn more</a:t>
             </a:r>
-            <a:endParaRPr lang="en-US" sz="2800" dirty="0" smtClean="0"/>
           </a:p>
           <a:p>
             <a:pPr marL="285750" indent="-285750">
@@ -8809,11 +8795,7 @@
             </a:r>
             <a:r>
               <a:rPr lang="en-US" dirty="0" smtClean="0"/>
-              <a:t>o </a:t>
-            </a:r>
-            <a:r>
-              <a:rPr lang="en-US" dirty="0" smtClean="0"/>
-              <a:t>Learn “R”</a:t>
+              <a:t>o Learn “R”</a:t>
             </a:r>
             <a:endParaRPr lang="en-US" dirty="0"/>
           </a:p>
@@ -8867,6 +8849,18 @@
               </a:rPr>
               <a:t>r-statistics.co/Top50-Ggplot2-Visualizations-MasterList-R-Code.html</a:t>
             </a:r>
+            <a:endParaRPr lang="en-US" dirty="0" smtClean="0"/>
+          </a:p>
+          <a:p>
+            <a:r>
+              <a:rPr lang="en-US" dirty="0" smtClean="0">
+                <a:hlinkClick r:id="rId4"/>
+              </a:rPr>
+              <a:t>Lynda.com</a:t>
+            </a:r>
+            <a:endParaRPr lang="en-US" dirty="0" smtClean="0"/>
+          </a:p>
+          <a:p>
             <a:endParaRPr lang="en-US" dirty="0" smtClean="0"/>
           </a:p>
           <a:p>
@@ -8965,16 +8959,16 @@
               <a:t>Link to </a:t>
             </a:r>
             <a:r>
-              <a:rPr lang="en-US" dirty="0" err="1" smtClean="0">
-                <a:hlinkClick r:id="rId2"/>
-              </a:rPr>
-              <a:t>Github</a:t>
-            </a:r>
-            <a:r>
               <a:rPr lang="en-US" dirty="0" smtClean="0">
                 <a:hlinkClick r:id="rId2"/>
               </a:rPr>
-              <a:t> with todays materials</a:t>
+              <a:t>GitHub </a:t>
+            </a:r>
+            <a:r>
+              <a:rPr lang="en-US" dirty="0" smtClean="0">
+                <a:hlinkClick r:id="rId2"/>
+              </a:rPr>
+              <a:t>with todays materials</a:t>
             </a:r>
             <a:endParaRPr lang="en-US" dirty="0"/>
           </a:p>
@@ -9148,11 +9142,7 @@
             </a:r>
             <a:r>
               <a:rPr lang="en-US" dirty="0" smtClean="0"/>
-              <a:t>s </a:t>
-            </a:r>
-            <a:r>
-              <a:rPr lang="en-US" dirty="0" smtClean="0"/>
-              <a:t>“R”</a:t>
+              <a:t>s “R”</a:t>
             </a:r>
             <a:endParaRPr lang="en-US" dirty="0"/>
           </a:p>
@@ -9175,20 +9165,27 @@
           <a:p>
             <a:r>
               <a:rPr lang="en-US" dirty="0" smtClean="0"/>
-              <a:t>Open Source Data science tool</a:t>
-            </a:r>
-          </a:p>
-          <a:p>
+              <a:t>Open Source Data science </a:t>
+            </a:r>
             <a:r>
               <a:rPr lang="en-US" dirty="0" smtClean="0"/>
-              <a:t>Python equally popular </a:t>
-            </a:r>
+              <a:t>tool</a:t>
+            </a:r>
+            <a:endParaRPr lang="en-US" dirty="0" smtClean="0"/>
           </a:p>
           <a:p>
             <a:r>
               <a:rPr lang="en-US" dirty="0" smtClean="0"/>
-              <a:t>Powerful tool capable of doing anything with data conceivable </a:t>
-            </a:r>
+              <a:t>Packet based functionality </a:t>
+            </a:r>
+            <a:endParaRPr lang="en-US" dirty="0" smtClean="0"/>
+          </a:p>
+          <a:p>
+            <a:r>
+              <a:rPr lang="en-US" dirty="0" smtClean="0"/>
+              <a:t>Easily reconfigured to custom uses</a:t>
+            </a:r>
+            <a:endParaRPr lang="en-US" dirty="0" smtClean="0"/>
           </a:p>
         </p:txBody>
       </p:sp>
@@ -9308,19 +9305,7 @@
             </a:r>
             <a:r>
               <a:rPr lang="en-US" dirty="0" smtClean="0"/>
-              <a:t>n </a:t>
-            </a:r>
-            <a:r>
-              <a:rPr lang="en-US" dirty="0" smtClean="0"/>
-              <a:t>the </a:t>
-            </a:r>
-            <a:r>
-              <a:rPr lang="en-US" dirty="0" smtClean="0"/>
-              <a:t>data </a:t>
-            </a:r>
-            <a:r>
-              <a:rPr lang="en-US" dirty="0" smtClean="0"/>
-              <a:t>lifecycle </a:t>
+              <a:t>n the data lifecycle </a:t>
             </a:r>
             <a:endParaRPr lang="en-US" dirty="0"/>
           </a:p>
@@ -9817,6 +9802,138 @@
             <a:pPr algn="ctr"/>
             <a:r>
               <a:rPr lang="en-US" dirty="0" smtClean="0"/>
+              <a:t>Loading Packages in R</a:t>
+            </a:r>
+            <a:endParaRPr lang="en-US" dirty="0"/>
+          </a:p>
+        </p:txBody>
+      </p:sp>
+      <p:pic>
+        <p:nvPicPr>
+          <p:cNvPr id="4" name="Content Placeholder 3"/>
+          <p:cNvPicPr>
+            <a:picLocks noGrp="1" noChangeAspect="1"/>
+          </p:cNvPicPr>
+          <p:nvPr>
+            <p:ph idx="1"/>
+          </p:nvPr>
+        </p:nvPicPr>
+        <p:blipFill>
+          <a:blip r:embed="rId2"/>
+          <a:stretch>
+            <a:fillRect/>
+          </a:stretch>
+        </p:blipFill>
+        <p:spPr>
+          <a:xfrm>
+            <a:off x="4271948" y="3073400"/>
+            <a:ext cx="7081852" cy="3534569"/>
+          </a:xfrm>
+          <a:prstGeom prst="rect">
+            <a:avLst/>
+          </a:prstGeom>
+        </p:spPr>
+      </p:pic>
+      <p:sp>
+        <p:nvSpPr>
+          <p:cNvPr id="10" name="Rectangle 9"/>
+          <p:cNvSpPr/>
+          <p:nvPr/>
+        </p:nvSpPr>
+        <p:spPr>
+          <a:xfrm>
+            <a:off x="838200" y="2320765"/>
+            <a:ext cx="4620426" cy="1815882"/>
+          </a:xfrm>
+          <a:prstGeom prst="rect">
+            <a:avLst/>
+          </a:prstGeom>
+        </p:spPr>
+        <p:txBody>
+          <a:bodyPr wrap="square">
+            <a:spAutoFit/>
+          </a:bodyPr>
+          <a:lstStyle/>
+          <a:p>
+            <a:pPr marL="457200" indent="-457200">
+              <a:buFont typeface="Arial" panose="020B0604020202020204" pitchFamily="34" charset="0"/>
+              <a:buChar char="•"/>
+            </a:pPr>
+            <a:r>
+              <a:rPr lang="en-US" sz="2800" dirty="0" smtClean="0"/>
+              <a:t>install.packages("ggplot2")</a:t>
+            </a:r>
+          </a:p>
+          <a:p>
+            <a:endParaRPr lang="en-US" sz="2800" dirty="0" smtClean="0"/>
+          </a:p>
+          <a:p>
+            <a:pPr marL="457200" indent="-457200">
+              <a:buFont typeface="Arial" panose="020B0604020202020204" pitchFamily="34" charset="0"/>
+              <a:buChar char="•"/>
+            </a:pPr>
+            <a:r>
+              <a:rPr lang="en-US" sz="2800" dirty="0"/>
+              <a:t>library(ggplot2) </a:t>
+            </a:r>
+          </a:p>
+          <a:p>
+            <a:r>
+              <a:rPr lang="en-US" sz="2800" dirty="0" smtClean="0"/>
+              <a:t> </a:t>
+            </a:r>
+            <a:endParaRPr lang="en-US" sz="2800" dirty="0"/>
+          </a:p>
+        </p:txBody>
+      </p:sp>
+    </p:spTree>
+    <p:extLst>
+      <p:ext uri="{BB962C8B-B14F-4D97-AF65-F5344CB8AC3E}">
+        <p14:creationId xmlns:p14="http://schemas.microsoft.com/office/powerpoint/2010/main" val="1311496272"/>
+      </p:ext>
+    </p:extLst>
+  </p:cSld>
+  <p:clrMapOvr>
+    <a:masterClrMapping/>
+  </p:clrMapOvr>
+</p:sld>
+</file>
+
+<file path=ppt/slides/slide9.xml><?xml version="1.0" encoding="utf-8"?>
+<p:sld xmlns:a="http://schemas.openxmlformats.org/drawingml/2006/main" xmlns:r="http://schemas.openxmlformats.org/officeDocument/2006/relationships" xmlns:p="http://schemas.openxmlformats.org/presentationml/2006/main">
+  <p:cSld>
+    <p:spTree>
+      <p:nvGrpSpPr>
+        <p:cNvPr id="1" name=""/>
+        <p:cNvGrpSpPr/>
+        <p:nvPr/>
+      </p:nvGrpSpPr>
+      <p:grpSpPr>
+        <a:xfrm>
+          <a:off x="0" y="0"/>
+          <a:ext cx="0" cy="0"/>
+          <a:chOff x="0" y="0"/>
+          <a:chExt cx="0" cy="0"/>
+        </a:xfrm>
+      </p:grpSpPr>
+      <p:sp>
+        <p:nvSpPr>
+          <p:cNvPr id="2" name="Title 1"/>
+          <p:cNvSpPr>
+            <a:spLocks noGrp="1"/>
+          </p:cNvSpPr>
+          <p:nvPr>
+            <p:ph type="title"/>
+          </p:nvPr>
+        </p:nvSpPr>
+        <p:spPr/>
+        <p:txBody>
+          <a:bodyPr/>
+          <a:lstStyle/>
+          <a:p>
+            <a:pPr algn="ctr"/>
+            <a:r>
+              <a:rPr lang="en-US" dirty="0" smtClean="0"/>
               <a:t>Loading data into R</a:t>
             </a:r>
             <a:endParaRPr lang="en-US" dirty="0"/>
@@ -9870,138 +9987,6 @@
     <p:extLst>
       <p:ext uri="{BB962C8B-B14F-4D97-AF65-F5344CB8AC3E}">
         <p14:creationId xmlns:p14="http://schemas.microsoft.com/office/powerpoint/2010/main" val="4189888619"/>
-      </p:ext>
-    </p:extLst>
-  </p:cSld>
-  <p:clrMapOvr>
-    <a:masterClrMapping/>
-  </p:clrMapOvr>
-</p:sld>
-</file>
-
-<file path=ppt/slides/slide9.xml><?xml version="1.0" encoding="utf-8"?>
-<p:sld xmlns:a="http://schemas.openxmlformats.org/drawingml/2006/main" xmlns:r="http://schemas.openxmlformats.org/officeDocument/2006/relationships" xmlns:p="http://schemas.openxmlformats.org/presentationml/2006/main">
-  <p:cSld>
-    <p:spTree>
-      <p:nvGrpSpPr>
-        <p:cNvPr id="1" name=""/>
-        <p:cNvGrpSpPr/>
-        <p:nvPr/>
-      </p:nvGrpSpPr>
-      <p:grpSpPr>
-        <a:xfrm>
-          <a:off x="0" y="0"/>
-          <a:ext cx="0" cy="0"/>
-          <a:chOff x="0" y="0"/>
-          <a:chExt cx="0" cy="0"/>
-        </a:xfrm>
-      </p:grpSpPr>
-      <p:sp>
-        <p:nvSpPr>
-          <p:cNvPr id="2" name="Title 1"/>
-          <p:cNvSpPr>
-            <a:spLocks noGrp="1"/>
-          </p:cNvSpPr>
-          <p:nvPr>
-            <p:ph type="title"/>
-          </p:nvPr>
-        </p:nvSpPr>
-        <p:spPr/>
-        <p:txBody>
-          <a:bodyPr/>
-          <a:lstStyle/>
-          <a:p>
-            <a:pPr algn="ctr"/>
-            <a:r>
-              <a:rPr lang="en-US" dirty="0" smtClean="0"/>
-              <a:t>Loading Packages in R</a:t>
-            </a:r>
-            <a:endParaRPr lang="en-US" dirty="0"/>
-          </a:p>
-        </p:txBody>
-      </p:sp>
-      <p:pic>
-        <p:nvPicPr>
-          <p:cNvPr id="4" name="Content Placeholder 3"/>
-          <p:cNvPicPr>
-            <a:picLocks noGrp="1" noChangeAspect="1"/>
-          </p:cNvPicPr>
-          <p:nvPr>
-            <p:ph idx="1"/>
-          </p:nvPr>
-        </p:nvPicPr>
-        <p:blipFill>
-          <a:blip r:embed="rId2"/>
-          <a:stretch>
-            <a:fillRect/>
-          </a:stretch>
-        </p:blipFill>
-        <p:spPr>
-          <a:xfrm>
-            <a:off x="4271948" y="3073400"/>
-            <a:ext cx="7081852" cy="3534569"/>
-          </a:xfrm>
-          <a:prstGeom prst="rect">
-            <a:avLst/>
-          </a:prstGeom>
-        </p:spPr>
-      </p:pic>
-      <p:sp>
-        <p:nvSpPr>
-          <p:cNvPr id="10" name="Rectangle 9"/>
-          <p:cNvSpPr/>
-          <p:nvPr/>
-        </p:nvSpPr>
-        <p:spPr>
-          <a:xfrm>
-            <a:off x="838200" y="2320765"/>
-            <a:ext cx="4620426" cy="1815882"/>
-          </a:xfrm>
-          <a:prstGeom prst="rect">
-            <a:avLst/>
-          </a:prstGeom>
-        </p:spPr>
-        <p:txBody>
-          <a:bodyPr wrap="square">
-            <a:spAutoFit/>
-          </a:bodyPr>
-          <a:lstStyle/>
-          <a:p>
-            <a:pPr marL="457200" indent="-457200">
-              <a:buFont typeface="Arial" panose="020B0604020202020204" pitchFamily="34" charset="0"/>
-              <a:buChar char="•"/>
-            </a:pPr>
-            <a:r>
-              <a:rPr lang="en-US" sz="2800" dirty="0" smtClean="0"/>
-              <a:t>install.packages("ggplot2")</a:t>
-            </a:r>
-          </a:p>
-          <a:p>
-            <a:endParaRPr lang="en-US" sz="2800" dirty="0" smtClean="0"/>
-          </a:p>
-          <a:p>
-            <a:pPr marL="457200" indent="-457200">
-              <a:buFont typeface="Arial" panose="020B0604020202020204" pitchFamily="34" charset="0"/>
-              <a:buChar char="•"/>
-            </a:pPr>
-            <a:r>
-              <a:rPr lang="en-US" sz="2800" dirty="0"/>
-              <a:t>library(ggplot2) </a:t>
-            </a:r>
-          </a:p>
-          <a:p>
-            <a:r>
-              <a:rPr lang="en-US" sz="2800" dirty="0" smtClean="0"/>
-              <a:t> </a:t>
-            </a:r>
-            <a:endParaRPr lang="en-US" sz="2800" dirty="0"/>
-          </a:p>
-        </p:txBody>
-      </p:sp>
-    </p:spTree>
-    <p:extLst>
-      <p:ext uri="{BB962C8B-B14F-4D97-AF65-F5344CB8AC3E}">
-        <p14:creationId xmlns:p14="http://schemas.microsoft.com/office/powerpoint/2010/main" val="1311496272"/>
       </p:ext>
     </p:extLst>
   </p:cSld>
